--- a/presentations/week3/case_3_expansion.pptx
+++ b/presentations/week3/case_3_expansion.pptx
@@ -4236,7 +4236,7 @@
         <p:spPr>
           <a:xfrm>
             <a:off x="10055286" y="2598538"/>
-            <a:ext cx="8217473" cy="7909858"/>
+            <a:ext cx="8945154" cy="7048083"/>
           </a:xfrm>
           <a:prstGeom prst="rect">
             <a:avLst/>
@@ -5137,7 +5137,7 @@
         </p:nvGrpSpPr>
         <p:grpSpPr>
           <a:xfrm>
-            <a:off x="9210804" y="2749325"/>
+            <a:off x="9205814" y="2751148"/>
             <a:ext cx="607680" cy="607680"/>
             <a:chOff x="839520" y="2291760"/>
             <a:chExt cx="607680" cy="607680"/>
@@ -5239,7 +5239,7 @@
         </p:nvGrpSpPr>
         <p:grpSpPr>
           <a:xfrm>
-            <a:off x="9200181" y="4725562"/>
+            <a:off x="9205814" y="4245783"/>
             <a:ext cx="607680" cy="607680"/>
             <a:chOff x="839520" y="2291760"/>
             <a:chExt cx="607680" cy="607680"/>
@@ -5341,7 +5341,7 @@
         </p:nvGrpSpPr>
         <p:grpSpPr>
           <a:xfrm>
-            <a:off x="9210804" y="8681737"/>
+            <a:off x="9205814" y="7920062"/>
             <a:ext cx="607680" cy="607680"/>
             <a:chOff x="839520" y="2291760"/>
             <a:chExt cx="607680" cy="607680"/>
@@ -5443,7 +5443,7 @@
         </p:nvGrpSpPr>
         <p:grpSpPr>
           <a:xfrm>
-            <a:off x="9205814" y="6701799"/>
+            <a:off x="9205814" y="5940265"/>
             <a:ext cx="607680" cy="607680"/>
             <a:chOff x="839520" y="2291760"/>
             <a:chExt cx="607680" cy="607680"/>
@@ -5582,8 +5582,8 @@
         </p:nvSpPr>
         <p:spPr>
           <a:xfrm>
-            <a:off x="9289098" y="2386335"/>
-            <a:ext cx="8983662" cy="8340745"/>
+            <a:off x="10145287" y="2386335"/>
+            <a:ext cx="8951116" cy="8340745"/>
           </a:xfrm>
           <a:prstGeom prst="rect">
             <a:avLst/>
@@ -5595,15 +5595,13 @@
           </a:bodyPr>
           <a:lstStyle/>
           <a:p>
-            <a:pPr marL="285750" lvl="0" indent="-285750" eaLnBrk="0" fontAlgn="base" hangingPunct="0">
+            <a:pPr lvl="0" eaLnBrk="0" fontAlgn="base" hangingPunct="0">
               <a:spcBef>
                 <a:spcPts val="1200"/>
               </a:spcBef>
               <a:spcAft>
                 <a:spcPts val="1200"/>
               </a:spcAft>
-              <a:buFont typeface="Arial" panose="020B0604020202020204" pitchFamily="34" charset="0"/>
-              <a:buChar char="•"/>
             </a:pPr>
             <a:r>
               <a:rPr lang="ru-RU" altLang="en-US" sz="2800" b="1" dirty="0">
@@ -5619,15 +5617,13 @@
             </a:r>
           </a:p>
           <a:p>
-            <a:pPr marL="285750" lvl="0" indent="-285750" eaLnBrk="0" fontAlgn="base" hangingPunct="0">
+            <a:pPr lvl="0" eaLnBrk="0" fontAlgn="base" hangingPunct="0">
               <a:spcBef>
                 <a:spcPts val="1200"/>
               </a:spcBef>
               <a:spcAft>
                 <a:spcPts val="1200"/>
               </a:spcAft>
-              <a:buFont typeface="Arial" panose="020B0604020202020204" pitchFamily="34" charset="0"/>
-              <a:buChar char="•"/>
             </a:pPr>
             <a:r>
               <a:rPr lang="ru-RU" altLang="en-US" sz="2800" b="1" dirty="0">
@@ -5655,15 +5651,13 @@
             </a:r>
           </a:p>
           <a:p>
-            <a:pPr marL="285750" lvl="0" indent="-285750" eaLnBrk="0" fontAlgn="base" hangingPunct="0">
+            <a:pPr lvl="0" eaLnBrk="0" fontAlgn="base" hangingPunct="0">
               <a:spcBef>
                 <a:spcPts val="1200"/>
               </a:spcBef>
               <a:spcAft>
                 <a:spcPts val="1200"/>
               </a:spcAft>
-              <a:buFont typeface="Arial" panose="020B0604020202020204" pitchFamily="34" charset="0"/>
-              <a:buChar char="•"/>
             </a:pPr>
             <a:r>
               <a:rPr lang="ru-RU" altLang="en-US" sz="2800" b="1" dirty="0" smtClean="0">
@@ -5685,15 +5679,13 @@
             </a:r>
           </a:p>
           <a:p>
-            <a:pPr marL="285750" lvl="0" indent="-285750" eaLnBrk="0" fontAlgn="base" hangingPunct="0">
+            <a:pPr lvl="0" eaLnBrk="0" fontAlgn="base" hangingPunct="0">
               <a:spcBef>
                 <a:spcPts val="1200"/>
               </a:spcBef>
               <a:spcAft>
                 <a:spcPts val="1200"/>
               </a:spcAft>
-              <a:buFont typeface="Arial" panose="020B0604020202020204" pitchFamily="34" charset="0"/>
-              <a:buChar char="•"/>
             </a:pPr>
             <a:r>
               <a:rPr lang="ru-RU" altLang="en-US" sz="2800" b="1" dirty="0">
@@ -5804,6 +5796,414 @@
           </a:prstGeom>
         </p:spPr>
       </p:pic>
+      <p:grpSp>
+        <p:nvGrpSpPr>
+          <p:cNvPr id="6" name="Группа 5"/>
+          <p:cNvGrpSpPr/>
+          <p:nvPr/>
+        </p:nvGrpSpPr>
+        <p:grpSpPr>
+          <a:xfrm>
+            <a:off x="9210804" y="8624446"/>
+            <a:ext cx="607680" cy="607680"/>
+            <a:chOff x="839520" y="2291760"/>
+            <a:chExt cx="607680" cy="607680"/>
+          </a:xfrm>
+        </p:grpSpPr>
+        <p:sp>
+          <p:nvSpPr>
+            <p:cNvPr id="8" name="Овал 6"/>
+            <p:cNvSpPr/>
+            <p:nvPr/>
+          </p:nvSpPr>
+          <p:spPr>
+            <a:xfrm>
+              <a:off x="839520" y="2291760"/>
+              <a:ext cx="607680" cy="607680"/>
+            </a:xfrm>
+            <a:prstGeom prst="ellipse">
+              <a:avLst/>
+            </a:prstGeom>
+            <a:noFill/>
+            <a:ln w="25400">
+              <a:solidFill>
+                <a:srgbClr val="141414"/>
+              </a:solidFill>
+            </a:ln>
+          </p:spPr>
+          <p:style>
+            <a:lnRef idx="2">
+              <a:schemeClr val="accent1">
+                <a:shade val="15000"/>
+              </a:schemeClr>
+            </a:lnRef>
+            <a:fillRef idx="1">
+              <a:schemeClr val="accent1"/>
+            </a:fillRef>
+            <a:effectRef idx="0">
+              <a:schemeClr val="accent1"/>
+            </a:effectRef>
+            <a:fontRef idx="minor"/>
+          </p:style>
+          <p:txBody>
+            <a:bodyPr lIns="90000" tIns="45000" rIns="90000" bIns="45000" anchor="ctr">
+              <a:noAutofit/>
+            </a:bodyPr>
+            <a:lstStyle/>
+            <a:p>
+              <a:pPr algn="ctr" defTabSz="1486080">
+                <a:lnSpc>
+                  <a:spcPct val="100000"/>
+                </a:lnSpc>
+                <a:tabLst>
+                  <a:tab pos="0" algn="l"/>
+                </a:tabLst>
+              </a:pPr>
+              <a:endParaRPr lang="ru-RU" sz="4800" b="0" strike="noStrike" spc="-1">
+                <a:solidFill>
+                  <a:srgbClr val="141414"/>
+                </a:solidFill>
+                <a:latin typeface="Graphik LCG"/>
+              </a:endParaRPr>
+            </a:p>
+          </p:txBody>
+        </p:sp>
+        <p:pic>
+          <p:nvPicPr>
+            <p:cNvPr id="9" name="Рисунок 8"/>
+            <p:cNvPicPr/>
+            <p:nvPr/>
+          </p:nvPicPr>
+          <p:blipFill>
+            <a:blip r:embed="rId3">
+              <a:extLst>
+                <a:ext uri="{96DAC541-7B7A-43D3-8B79-37D633B846F1}">
+                  <asvg:svgBlip xmlns:asvg="http://schemas.microsoft.com/office/drawing/2016/SVG/main" xmlns="" r:embed="rId4"/>
+                </a:ext>
+              </a:extLst>
+            </a:blip>
+            <a:stretch/>
+          </p:blipFill>
+          <p:spPr>
+            <a:xfrm>
+              <a:off x="980640" y="2471400"/>
+              <a:ext cx="325800" cy="248400"/>
+            </a:xfrm>
+            <a:prstGeom prst="rect">
+              <a:avLst/>
+            </a:prstGeom>
+            <a:ln w="0">
+              <a:noFill/>
+            </a:ln>
+          </p:spPr>
+        </p:pic>
+      </p:grpSp>
+      <p:grpSp>
+        <p:nvGrpSpPr>
+          <p:cNvPr id="10" name="Группа 9"/>
+          <p:cNvGrpSpPr/>
+          <p:nvPr/>
+        </p:nvGrpSpPr>
+        <p:grpSpPr>
+          <a:xfrm>
+            <a:off x="9210804" y="6120062"/>
+            <a:ext cx="607680" cy="607680"/>
+            <a:chOff x="839520" y="2291760"/>
+            <a:chExt cx="607680" cy="607680"/>
+          </a:xfrm>
+        </p:grpSpPr>
+        <p:sp>
+          <p:nvSpPr>
+            <p:cNvPr id="11" name="Овал 6"/>
+            <p:cNvSpPr/>
+            <p:nvPr/>
+          </p:nvSpPr>
+          <p:spPr>
+            <a:xfrm>
+              <a:off x="839520" y="2291760"/>
+              <a:ext cx="607680" cy="607680"/>
+            </a:xfrm>
+            <a:prstGeom prst="ellipse">
+              <a:avLst/>
+            </a:prstGeom>
+            <a:noFill/>
+            <a:ln w="25400">
+              <a:solidFill>
+                <a:srgbClr val="141414"/>
+              </a:solidFill>
+            </a:ln>
+          </p:spPr>
+          <p:style>
+            <a:lnRef idx="2">
+              <a:schemeClr val="accent1">
+                <a:shade val="15000"/>
+              </a:schemeClr>
+            </a:lnRef>
+            <a:fillRef idx="1">
+              <a:schemeClr val="accent1"/>
+            </a:fillRef>
+            <a:effectRef idx="0">
+              <a:schemeClr val="accent1"/>
+            </a:effectRef>
+            <a:fontRef idx="minor"/>
+          </p:style>
+          <p:txBody>
+            <a:bodyPr lIns="90000" tIns="45000" rIns="90000" bIns="45000" anchor="ctr">
+              <a:noAutofit/>
+            </a:bodyPr>
+            <a:lstStyle/>
+            <a:p>
+              <a:pPr algn="ctr" defTabSz="1486080">
+                <a:lnSpc>
+                  <a:spcPct val="100000"/>
+                </a:lnSpc>
+                <a:tabLst>
+                  <a:tab pos="0" algn="l"/>
+                </a:tabLst>
+              </a:pPr>
+              <a:endParaRPr lang="ru-RU" sz="4800" b="0" strike="noStrike" spc="-1">
+                <a:solidFill>
+                  <a:srgbClr val="141414"/>
+                </a:solidFill>
+                <a:latin typeface="Graphik LCG"/>
+              </a:endParaRPr>
+            </a:p>
+          </p:txBody>
+        </p:sp>
+        <p:pic>
+          <p:nvPicPr>
+            <p:cNvPr id="12" name="Рисунок 11"/>
+            <p:cNvPicPr/>
+            <p:nvPr/>
+          </p:nvPicPr>
+          <p:blipFill>
+            <a:blip r:embed="rId3">
+              <a:extLst>
+                <a:ext uri="{96DAC541-7B7A-43D3-8B79-37D633B846F1}">
+                  <asvg:svgBlip xmlns:asvg="http://schemas.microsoft.com/office/drawing/2016/SVG/main" xmlns="" r:embed="rId4"/>
+                </a:ext>
+              </a:extLst>
+            </a:blip>
+            <a:stretch/>
+          </p:blipFill>
+          <p:spPr>
+            <a:xfrm>
+              <a:off x="980640" y="2471400"/>
+              <a:ext cx="325800" cy="248400"/>
+            </a:xfrm>
+            <a:prstGeom prst="rect">
+              <a:avLst/>
+            </a:prstGeom>
+            <a:ln w="0">
+              <a:noFill/>
+            </a:ln>
+          </p:spPr>
+        </p:pic>
+      </p:grpSp>
+      <p:grpSp>
+        <p:nvGrpSpPr>
+          <p:cNvPr id="13" name="Группа 12"/>
+          <p:cNvGrpSpPr/>
+          <p:nvPr/>
+        </p:nvGrpSpPr>
+        <p:grpSpPr>
+          <a:xfrm>
+            <a:off x="9210804" y="4590062"/>
+            <a:ext cx="607680" cy="607680"/>
+            <a:chOff x="839520" y="2291760"/>
+            <a:chExt cx="607680" cy="607680"/>
+          </a:xfrm>
+        </p:grpSpPr>
+        <p:sp>
+          <p:nvSpPr>
+            <p:cNvPr id="14" name="Овал 6"/>
+            <p:cNvSpPr/>
+            <p:nvPr/>
+          </p:nvSpPr>
+          <p:spPr>
+            <a:xfrm>
+              <a:off x="839520" y="2291760"/>
+              <a:ext cx="607680" cy="607680"/>
+            </a:xfrm>
+            <a:prstGeom prst="ellipse">
+              <a:avLst/>
+            </a:prstGeom>
+            <a:noFill/>
+            <a:ln w="25400">
+              <a:solidFill>
+                <a:srgbClr val="141414"/>
+              </a:solidFill>
+            </a:ln>
+          </p:spPr>
+          <p:style>
+            <a:lnRef idx="2">
+              <a:schemeClr val="accent1">
+                <a:shade val="15000"/>
+              </a:schemeClr>
+            </a:lnRef>
+            <a:fillRef idx="1">
+              <a:schemeClr val="accent1"/>
+            </a:fillRef>
+            <a:effectRef idx="0">
+              <a:schemeClr val="accent1"/>
+            </a:effectRef>
+            <a:fontRef idx="minor"/>
+          </p:style>
+          <p:txBody>
+            <a:bodyPr lIns="90000" tIns="45000" rIns="90000" bIns="45000" anchor="ctr">
+              <a:noAutofit/>
+            </a:bodyPr>
+            <a:lstStyle/>
+            <a:p>
+              <a:pPr algn="ctr" defTabSz="1486080">
+                <a:lnSpc>
+                  <a:spcPct val="100000"/>
+                </a:lnSpc>
+                <a:tabLst>
+                  <a:tab pos="0" algn="l"/>
+                </a:tabLst>
+              </a:pPr>
+              <a:endParaRPr lang="ru-RU" sz="4800" b="0" strike="noStrike" spc="-1">
+                <a:solidFill>
+                  <a:srgbClr val="141414"/>
+                </a:solidFill>
+                <a:latin typeface="Graphik LCG"/>
+              </a:endParaRPr>
+            </a:p>
+          </p:txBody>
+        </p:sp>
+        <p:pic>
+          <p:nvPicPr>
+            <p:cNvPr id="15" name="Рисунок 14"/>
+            <p:cNvPicPr/>
+            <p:nvPr/>
+          </p:nvPicPr>
+          <p:blipFill>
+            <a:blip r:embed="rId3">
+              <a:extLst>
+                <a:ext uri="{96DAC541-7B7A-43D3-8B79-37D633B846F1}">
+                  <asvg:svgBlip xmlns:asvg="http://schemas.microsoft.com/office/drawing/2016/SVG/main" xmlns="" r:embed="rId4"/>
+                </a:ext>
+              </a:extLst>
+            </a:blip>
+            <a:stretch/>
+          </p:blipFill>
+          <p:spPr>
+            <a:xfrm>
+              <a:off x="980640" y="2471400"/>
+              <a:ext cx="325800" cy="248400"/>
+            </a:xfrm>
+            <a:prstGeom prst="rect">
+              <a:avLst/>
+            </a:prstGeom>
+            <a:ln w="0">
+              <a:noFill/>
+            </a:ln>
+          </p:spPr>
+        </p:pic>
+      </p:grpSp>
+      <p:grpSp>
+        <p:nvGrpSpPr>
+          <p:cNvPr id="16" name="Группа 15"/>
+          <p:cNvGrpSpPr/>
+          <p:nvPr/>
+        </p:nvGrpSpPr>
+        <p:grpSpPr>
+          <a:xfrm>
+            <a:off x="9210804" y="2749325"/>
+            <a:ext cx="607680" cy="607680"/>
+            <a:chOff x="839520" y="2291760"/>
+            <a:chExt cx="607680" cy="607680"/>
+          </a:xfrm>
+        </p:grpSpPr>
+        <p:sp>
+          <p:nvSpPr>
+            <p:cNvPr id="17" name="Овал 6"/>
+            <p:cNvSpPr/>
+            <p:nvPr/>
+          </p:nvSpPr>
+          <p:spPr>
+            <a:xfrm>
+              <a:off x="839520" y="2291760"/>
+              <a:ext cx="607680" cy="607680"/>
+            </a:xfrm>
+            <a:prstGeom prst="ellipse">
+              <a:avLst/>
+            </a:prstGeom>
+            <a:noFill/>
+            <a:ln w="25400">
+              <a:solidFill>
+                <a:srgbClr val="141414"/>
+              </a:solidFill>
+            </a:ln>
+          </p:spPr>
+          <p:style>
+            <a:lnRef idx="2">
+              <a:schemeClr val="accent1">
+                <a:shade val="15000"/>
+              </a:schemeClr>
+            </a:lnRef>
+            <a:fillRef idx="1">
+              <a:schemeClr val="accent1"/>
+            </a:fillRef>
+            <a:effectRef idx="0">
+              <a:schemeClr val="accent1"/>
+            </a:effectRef>
+            <a:fontRef idx="minor"/>
+          </p:style>
+          <p:txBody>
+            <a:bodyPr lIns="90000" tIns="45000" rIns="90000" bIns="45000" anchor="ctr">
+              <a:noAutofit/>
+            </a:bodyPr>
+            <a:lstStyle/>
+            <a:p>
+              <a:pPr algn="ctr" defTabSz="1486080">
+                <a:lnSpc>
+                  <a:spcPct val="100000"/>
+                </a:lnSpc>
+                <a:tabLst>
+                  <a:tab pos="0" algn="l"/>
+                </a:tabLst>
+              </a:pPr>
+              <a:endParaRPr lang="ru-RU" sz="4800" b="0" strike="noStrike" spc="-1">
+                <a:solidFill>
+                  <a:srgbClr val="141414"/>
+                </a:solidFill>
+                <a:latin typeface="Graphik LCG"/>
+              </a:endParaRPr>
+            </a:p>
+          </p:txBody>
+        </p:sp>
+        <p:pic>
+          <p:nvPicPr>
+            <p:cNvPr id="18" name="Рисунок 17"/>
+            <p:cNvPicPr/>
+            <p:nvPr/>
+          </p:nvPicPr>
+          <p:blipFill>
+            <a:blip r:embed="rId3">
+              <a:extLst>
+                <a:ext uri="{96DAC541-7B7A-43D3-8B79-37D633B846F1}">
+                  <asvg:svgBlip xmlns:asvg="http://schemas.microsoft.com/office/drawing/2016/SVG/main" xmlns="" r:embed="rId4"/>
+                </a:ext>
+              </a:extLst>
+            </a:blip>
+            <a:stretch/>
+          </p:blipFill>
+          <p:spPr>
+            <a:xfrm>
+              <a:off x="980640" y="2471400"/>
+              <a:ext cx="325800" cy="248400"/>
+            </a:xfrm>
+            <a:prstGeom prst="rect">
+              <a:avLst/>
+            </a:prstGeom>
+            <a:ln w="0">
+              <a:noFill/>
+            </a:ln>
+          </p:spPr>
+        </p:pic>
+      </p:grpSp>
     </p:spTree>
     <p:extLst>
       <p:ext uri="{BB962C8B-B14F-4D97-AF65-F5344CB8AC3E}">
@@ -5850,7 +6250,7 @@
         <p:spPr>
           <a:xfrm>
             <a:off x="10775287" y="3258773"/>
-            <a:ext cx="7688509" cy="6001643"/>
+            <a:ext cx="8225153" cy="5570756"/>
           </a:xfrm>
           <a:prstGeom prst="rect">
             <a:avLst/>
@@ -15787,7 +16187,7 @@
         </p:nvGrpSpPr>
         <p:grpSpPr>
           <a:xfrm>
-            <a:off x="520912" y="1955755"/>
+            <a:off x="535680" y="2088792"/>
             <a:ext cx="607680" cy="607680"/>
             <a:chOff x="839520" y="2291760"/>
             <a:chExt cx="607680" cy="607680"/>
@@ -15889,7 +16289,7 @@
         </p:nvGrpSpPr>
         <p:grpSpPr>
           <a:xfrm>
-            <a:off x="535680" y="3364041"/>
+            <a:off x="535680" y="3493338"/>
             <a:ext cx="607680" cy="607680"/>
             <a:chOff x="839520" y="2291760"/>
             <a:chExt cx="607680" cy="607680"/>
@@ -15991,7 +16391,7 @@
         </p:nvGrpSpPr>
         <p:grpSpPr>
           <a:xfrm>
-            <a:off x="524152" y="6554987"/>
+            <a:off x="524152" y="6743143"/>
             <a:ext cx="607680" cy="607680"/>
             <a:chOff x="839520" y="2291760"/>
             <a:chExt cx="607680" cy="607680"/>
@@ -16093,7 +16493,7 @@
         </p:nvGrpSpPr>
         <p:grpSpPr>
           <a:xfrm>
-            <a:off x="524152" y="5201724"/>
+            <a:off x="524152" y="5338597"/>
             <a:ext cx="607680" cy="607680"/>
             <a:chOff x="839520" y="2291760"/>
             <a:chExt cx="607680" cy="607680"/>
@@ -16195,7 +16595,7 @@
         </p:nvGrpSpPr>
         <p:grpSpPr>
           <a:xfrm>
-            <a:off x="535680" y="7604410"/>
+            <a:off x="524152" y="7695062"/>
             <a:ext cx="607680" cy="607680"/>
             <a:chOff x="839520" y="2291760"/>
             <a:chExt cx="607680" cy="607680"/>
